--- a/doc/basic_algorithm.pptx
+++ b/doc/basic_algorithm.pptx
@@ -8859,6 +8859,36 @@
           </a:p>
         </p:txBody>
       </p:sp>
+      <p:pic>
+        <p:nvPicPr>
+          <p:cNvPr id="2" name="Image 1">
+            <a:extLst>
+              <a:ext uri="{FF2B5EF4-FFF2-40B4-BE49-F238E27FC236}">
+                <a16:creationId xmlns:a16="http://schemas.microsoft.com/office/drawing/2014/main" id="{ED78F11C-9E16-FFC8-B967-C10E46ACBDCE}"/>
+              </a:ext>
+            </a:extLst>
+          </p:cNvPr>
+          <p:cNvPicPr>
+            <a:picLocks noChangeAspect="1"/>
+          </p:cNvPicPr>
+          <p:nvPr/>
+        </p:nvPicPr>
+        <p:blipFill>
+          <a:blip r:embed="rId2"/>
+          <a:stretch>
+            <a:fillRect/>
+          </a:stretch>
+        </p:blipFill>
+        <p:spPr>
+          <a:xfrm>
+            <a:off x="7904594" y="866564"/>
+            <a:ext cx="839013" cy="575700"/>
+          </a:xfrm>
+          <a:prstGeom prst="rect">
+            <a:avLst/>
+          </a:prstGeom>
+        </p:spPr>
+      </p:pic>
     </p:spTree>
     <p:extLst>
       <p:ext uri="{BB962C8B-B14F-4D97-AF65-F5344CB8AC3E}">

--- a/doc/basic_algorithm.pptx
+++ b/doc/basic_algorithm.pptx
@@ -7,7 +7,7 @@
   <p:sldIdLst>
     <p:sldId id="270" r:id="rId2"/>
   </p:sldIdLst>
-  <p:sldSz cx="9144000" cy="6858000" type="screen4x3"/>
+  <p:sldSz cx="9144000" cy="9144000"/>
   <p:notesSz cx="6858000" cy="9144000"/>
   <p:defaultTextStyle>
     <a:defPPr>
@@ -107,12 +107,12 @@
   <p:extLst>
     <p:ext uri="{EFAFB233-063F-42B5-8137-9DF3F51BA10A}">
       <p15:sldGuideLst xmlns:p15="http://schemas.microsoft.com/office/powerpoint/2012/main">
-        <p15:guide id="1" orient="horz" pos="2160">
+        <p15:guide id="1" orient="horz" pos="2880" userDrawn="1">
           <p15:clr>
             <a:srgbClr val="A4A3A4"/>
           </p15:clr>
         </p15:guide>
-        <p15:guide id="2" pos="2880">
+        <p15:guide id="2" pos="2880" userDrawn="1">
           <p15:clr>
             <a:srgbClr val="A4A3A4"/>
           </p15:clr>
@@ -152,8 +152,8 @@
         </p:nvSpPr>
         <p:spPr>
           <a:xfrm>
-            <a:off x="685800" y="2130425"/>
-            <a:ext cx="7772400" cy="1470025"/>
+            <a:off x="685800" y="2840568"/>
+            <a:ext cx="7772400" cy="1960033"/>
           </a:xfrm>
         </p:spPr>
         <p:txBody>
@@ -179,8 +179,8 @@
         </p:nvSpPr>
         <p:spPr>
           <a:xfrm>
-            <a:off x="1371600" y="3886200"/>
-            <a:ext cx="6400800" cy="1752600"/>
+            <a:off x="1371600" y="5181600"/>
+            <a:ext cx="6400800" cy="2336800"/>
           </a:xfrm>
         </p:spPr>
         <p:txBody>
@@ -302,7 +302,7 @@
           <a:p>
             <a:fld id="{23C82567-A46C-4A49-A7EE-8FBD06A898B2}" type="datetimeFigureOut">
               <a:rPr lang="fr-FR" smtClean="0"/>
-              <a:t>20/09/2022</a:t>
+              <a:t>20/10/2022</a:t>
             </a:fld>
             <a:endParaRPr lang="fr-FR"/>
           </a:p>
@@ -470,7 +470,7 @@
           <a:p>
             <a:fld id="{23C82567-A46C-4A49-A7EE-8FBD06A898B2}" type="datetimeFigureOut">
               <a:rPr lang="fr-FR" smtClean="0"/>
-              <a:t>20/09/2022</a:t>
+              <a:t>20/10/2022</a:t>
             </a:fld>
             <a:endParaRPr lang="fr-FR"/>
           </a:p>
@@ -560,8 +560,8 @@
         </p:nvSpPr>
         <p:spPr>
           <a:xfrm>
-            <a:off x="6629400" y="274638"/>
-            <a:ext cx="2057400" cy="5851525"/>
+            <a:off x="6629400" y="366185"/>
+            <a:ext cx="2057400" cy="7802033"/>
           </a:xfrm>
         </p:spPr>
         <p:txBody>
@@ -587,8 +587,8 @@
         </p:nvSpPr>
         <p:spPr>
           <a:xfrm>
-            <a:off x="457200" y="274638"/>
-            <a:ext cx="6019800" cy="5851525"/>
+            <a:off x="457200" y="366185"/>
+            <a:ext cx="6019800" cy="7802033"/>
           </a:xfrm>
         </p:spPr>
         <p:txBody>
@@ -648,7 +648,7 @@
           <a:p>
             <a:fld id="{23C82567-A46C-4A49-A7EE-8FBD06A898B2}" type="datetimeFigureOut">
               <a:rPr lang="fr-FR" smtClean="0"/>
-              <a:t>20/09/2022</a:t>
+              <a:t>20/10/2022</a:t>
             </a:fld>
             <a:endParaRPr lang="fr-FR"/>
           </a:p>
@@ -816,7 +816,7 @@
           <a:p>
             <a:fld id="{23C82567-A46C-4A49-A7EE-8FBD06A898B2}" type="datetimeFigureOut">
               <a:rPr lang="fr-FR" smtClean="0"/>
-              <a:t>20/09/2022</a:t>
+              <a:t>20/10/2022</a:t>
             </a:fld>
             <a:endParaRPr lang="fr-FR"/>
           </a:p>
@@ -906,8 +906,8 @@
         </p:nvSpPr>
         <p:spPr>
           <a:xfrm>
-            <a:off x="722313" y="4406900"/>
-            <a:ext cx="7772400" cy="1362075"/>
+            <a:off x="722313" y="5875867"/>
+            <a:ext cx="7772400" cy="1816100"/>
           </a:xfrm>
         </p:spPr>
         <p:txBody>
@@ -937,8 +937,8 @@
         </p:nvSpPr>
         <p:spPr>
           <a:xfrm>
-            <a:off x="722313" y="2906713"/>
-            <a:ext cx="7772400" cy="1500187"/>
+            <a:off x="722313" y="3875618"/>
+            <a:ext cx="7772400" cy="2000249"/>
           </a:xfrm>
         </p:spPr>
         <p:txBody>
@@ -1061,7 +1061,7 @@
           <a:p>
             <a:fld id="{23C82567-A46C-4A49-A7EE-8FBD06A898B2}" type="datetimeFigureOut">
               <a:rPr lang="fr-FR" smtClean="0"/>
-              <a:t>20/09/2022</a:t>
+              <a:t>20/10/2022</a:t>
             </a:fld>
             <a:endParaRPr lang="fr-FR"/>
           </a:p>
@@ -1173,8 +1173,8 @@
         </p:nvSpPr>
         <p:spPr>
           <a:xfrm>
-            <a:off x="457200" y="1600200"/>
-            <a:ext cx="4038600" cy="4525963"/>
+            <a:off x="457200" y="2133601"/>
+            <a:ext cx="4038600" cy="6034617"/>
           </a:xfrm>
         </p:spPr>
         <p:txBody>
@@ -1257,8 +1257,8 @@
         </p:nvSpPr>
         <p:spPr>
           <a:xfrm>
-            <a:off x="4648200" y="1600200"/>
-            <a:ext cx="4038600" cy="4525963"/>
+            <a:off x="4648200" y="2133601"/>
+            <a:ext cx="4038600" cy="6034617"/>
           </a:xfrm>
         </p:spPr>
         <p:txBody>
@@ -1346,7 +1346,7 @@
           <a:p>
             <a:fld id="{23C82567-A46C-4A49-A7EE-8FBD06A898B2}" type="datetimeFigureOut">
               <a:rPr lang="fr-FR" smtClean="0"/>
-              <a:t>20/09/2022</a:t>
+              <a:t>20/10/2022</a:t>
             </a:fld>
             <a:endParaRPr lang="fr-FR"/>
           </a:p>
@@ -1462,8 +1462,8 @@
         </p:nvSpPr>
         <p:spPr>
           <a:xfrm>
-            <a:off x="457200" y="1535113"/>
-            <a:ext cx="4040188" cy="639762"/>
+            <a:off x="457200" y="2046817"/>
+            <a:ext cx="4040188" cy="853016"/>
           </a:xfrm>
         </p:spPr>
         <p:txBody>
@@ -1527,8 +1527,8 @@
         </p:nvSpPr>
         <p:spPr>
           <a:xfrm>
-            <a:off x="457200" y="2174875"/>
-            <a:ext cx="4040188" cy="3951288"/>
+            <a:off x="457200" y="2899833"/>
+            <a:ext cx="4040188" cy="5268384"/>
           </a:xfrm>
         </p:spPr>
         <p:txBody>
@@ -1611,8 +1611,8 @@
         </p:nvSpPr>
         <p:spPr>
           <a:xfrm>
-            <a:off x="4645025" y="1535113"/>
-            <a:ext cx="4041775" cy="639762"/>
+            <a:off x="4645026" y="2046817"/>
+            <a:ext cx="4041775" cy="853016"/>
           </a:xfrm>
         </p:spPr>
         <p:txBody>
@@ -1676,8 +1676,8 @@
         </p:nvSpPr>
         <p:spPr>
           <a:xfrm>
-            <a:off x="4645025" y="2174875"/>
-            <a:ext cx="4041775" cy="3951288"/>
+            <a:off x="4645026" y="2899833"/>
+            <a:ext cx="4041775" cy="5268384"/>
           </a:xfrm>
         </p:spPr>
         <p:txBody>
@@ -1765,7 +1765,7 @@
           <a:p>
             <a:fld id="{23C82567-A46C-4A49-A7EE-8FBD06A898B2}" type="datetimeFigureOut">
               <a:rPr lang="fr-FR" smtClean="0"/>
-              <a:t>20/09/2022</a:t>
+              <a:t>20/10/2022</a:t>
             </a:fld>
             <a:endParaRPr lang="fr-FR"/>
           </a:p>
@@ -1882,7 +1882,7 @@
           <a:p>
             <a:fld id="{23C82567-A46C-4A49-A7EE-8FBD06A898B2}" type="datetimeFigureOut">
               <a:rPr lang="fr-FR" smtClean="0"/>
-              <a:t>20/09/2022</a:t>
+              <a:t>20/10/2022</a:t>
             </a:fld>
             <a:endParaRPr lang="fr-FR"/>
           </a:p>
@@ -1977,7 +1977,7 @@
           <a:p>
             <a:fld id="{23C82567-A46C-4A49-A7EE-8FBD06A898B2}" type="datetimeFigureOut">
               <a:rPr lang="fr-FR" smtClean="0"/>
-              <a:t>20/09/2022</a:t>
+              <a:t>20/10/2022</a:t>
             </a:fld>
             <a:endParaRPr lang="fr-FR"/>
           </a:p>
@@ -2067,8 +2067,8 @@
         </p:nvSpPr>
         <p:spPr>
           <a:xfrm>
-            <a:off x="457200" y="273050"/>
-            <a:ext cx="3008313" cy="1162050"/>
+            <a:off x="457201" y="364067"/>
+            <a:ext cx="3008313" cy="1549400"/>
           </a:xfrm>
         </p:spPr>
         <p:txBody>
@@ -2098,8 +2098,8 @@
         </p:nvSpPr>
         <p:spPr>
           <a:xfrm>
-            <a:off x="3575050" y="273050"/>
-            <a:ext cx="5111750" cy="5853113"/>
+            <a:off x="3575050" y="364067"/>
+            <a:ext cx="5111750" cy="7804151"/>
           </a:xfrm>
         </p:spPr>
         <p:txBody>
@@ -2182,8 +2182,8 @@
         </p:nvSpPr>
         <p:spPr>
           <a:xfrm>
-            <a:off x="457200" y="1435100"/>
-            <a:ext cx="3008313" cy="4691063"/>
+            <a:off x="457201" y="1913467"/>
+            <a:ext cx="3008313" cy="6254751"/>
           </a:xfrm>
         </p:spPr>
         <p:txBody>
@@ -2252,7 +2252,7 @@
           <a:p>
             <a:fld id="{23C82567-A46C-4A49-A7EE-8FBD06A898B2}" type="datetimeFigureOut">
               <a:rPr lang="fr-FR" smtClean="0"/>
-              <a:t>20/09/2022</a:t>
+              <a:t>20/10/2022</a:t>
             </a:fld>
             <a:endParaRPr lang="fr-FR"/>
           </a:p>
@@ -2342,8 +2342,8 @@
         </p:nvSpPr>
         <p:spPr>
           <a:xfrm>
-            <a:off x="1792288" y="4800600"/>
-            <a:ext cx="5486400" cy="566738"/>
+            <a:off x="1792288" y="6400800"/>
+            <a:ext cx="5486400" cy="755651"/>
           </a:xfrm>
         </p:spPr>
         <p:txBody>
@@ -2373,8 +2373,8 @@
         </p:nvSpPr>
         <p:spPr>
           <a:xfrm>
-            <a:off x="1792288" y="612775"/>
-            <a:ext cx="5486400" cy="4114800"/>
+            <a:off x="1792288" y="817033"/>
+            <a:ext cx="5486400" cy="5486400"/>
           </a:xfrm>
         </p:spPr>
         <p:txBody>
@@ -2434,8 +2434,8 @@
         </p:nvSpPr>
         <p:spPr>
           <a:xfrm>
-            <a:off x="1792288" y="5367338"/>
-            <a:ext cx="5486400" cy="804862"/>
+            <a:off x="1792288" y="7156451"/>
+            <a:ext cx="5486400" cy="1073149"/>
           </a:xfrm>
         </p:spPr>
         <p:txBody>
@@ -2504,7 +2504,7 @@
           <a:p>
             <a:fld id="{23C82567-A46C-4A49-A7EE-8FBD06A898B2}" type="datetimeFigureOut">
               <a:rPr lang="fr-FR" smtClean="0"/>
-              <a:t>20/09/2022</a:t>
+              <a:t>20/10/2022</a:t>
             </a:fld>
             <a:endParaRPr lang="fr-FR"/>
           </a:p>
@@ -2599,8 +2599,8 @@
         </p:nvSpPr>
         <p:spPr>
           <a:xfrm>
-            <a:off x="457200" y="274638"/>
-            <a:ext cx="8229600" cy="1143000"/>
+            <a:off x="457200" y="366184"/>
+            <a:ext cx="8229600" cy="1524000"/>
           </a:xfrm>
           <a:prstGeom prst="rect">
             <a:avLst/>
@@ -2631,8 +2631,8 @@
         </p:nvSpPr>
         <p:spPr>
           <a:xfrm>
-            <a:off x="457200" y="1600200"/>
-            <a:ext cx="8229600" cy="4525963"/>
+            <a:off x="457200" y="2133601"/>
+            <a:ext cx="8229600" cy="6034617"/>
           </a:xfrm>
           <a:prstGeom prst="rect">
             <a:avLst/>
@@ -2692,8 +2692,8 @@
         </p:nvSpPr>
         <p:spPr>
           <a:xfrm>
-            <a:off x="457200" y="6356350"/>
-            <a:ext cx="2133600" cy="365125"/>
+            <a:off x="457200" y="8475134"/>
+            <a:ext cx="2133600" cy="486833"/>
           </a:xfrm>
           <a:prstGeom prst="rect">
             <a:avLst/>
@@ -2715,7 +2715,7 @@
           <a:p>
             <a:fld id="{23C82567-A46C-4A49-A7EE-8FBD06A898B2}" type="datetimeFigureOut">
               <a:rPr lang="fr-FR" smtClean="0"/>
-              <a:t>20/09/2022</a:t>
+              <a:t>20/10/2022</a:t>
             </a:fld>
             <a:endParaRPr lang="fr-FR"/>
           </a:p>
@@ -2733,8 +2733,8 @@
         </p:nvSpPr>
         <p:spPr>
           <a:xfrm>
-            <a:off x="3124200" y="6356350"/>
-            <a:ext cx="2895600" cy="365125"/>
+            <a:off x="3124200" y="8475134"/>
+            <a:ext cx="2895600" cy="486833"/>
           </a:xfrm>
           <a:prstGeom prst="rect">
             <a:avLst/>
@@ -2770,8 +2770,8 @@
         </p:nvSpPr>
         <p:spPr>
           <a:xfrm>
-            <a:off x="6553200" y="6356350"/>
-            <a:ext cx="2133600" cy="365125"/>
+            <a:off x="6553200" y="8475134"/>
+            <a:ext cx="2133600" cy="486833"/>
           </a:xfrm>
           <a:prstGeom prst="rect">
             <a:avLst/>
@@ -3090,6 +3090,36 @@
           <a:chExt cx="0" cy="0"/>
         </a:xfrm>
       </p:grpSpPr>
+      <p:pic>
+        <p:nvPicPr>
+          <p:cNvPr id="2" name="Image 1">
+            <a:extLst>
+              <a:ext uri="{FF2B5EF4-FFF2-40B4-BE49-F238E27FC236}">
+                <a16:creationId xmlns:a16="http://schemas.microsoft.com/office/drawing/2014/main" id="{ED78F11C-9E16-FFC8-B967-C10E46ACBDCE}"/>
+              </a:ext>
+            </a:extLst>
+          </p:cNvPr>
+          <p:cNvPicPr>
+            <a:picLocks noChangeAspect="1"/>
+          </p:cNvPicPr>
+          <p:nvPr/>
+        </p:nvPicPr>
+        <p:blipFill>
+          <a:blip r:embed="rId2"/>
+          <a:stretch>
+            <a:fillRect/>
+          </a:stretch>
+        </p:blipFill>
+        <p:spPr>
+          <a:xfrm>
+            <a:off x="4049307" y="7568273"/>
+            <a:ext cx="1045386" cy="717306"/>
+          </a:xfrm>
+          <a:prstGeom prst="rect">
+            <a:avLst/>
+          </a:prstGeom>
+        </p:spPr>
+      </p:pic>
       <p:cxnSp>
         <p:nvCxnSpPr>
           <p:cNvPr id="5" name="Connecteur en angle 4">
@@ -3108,7 +3138,7 @@
         </p:nvCxnSpPr>
         <p:spPr>
           <a:xfrm rot="10800000" flipV="1">
-            <a:off x="6786426" y="1180851"/>
+            <a:off x="6786426" y="2323851"/>
             <a:ext cx="821798" cy="575502"/>
           </a:xfrm>
           <a:prstGeom prst="bentConnector3">
@@ -3158,7 +3188,7 @@
         </p:nvCxnSpPr>
         <p:spPr>
           <a:xfrm rot="10800000">
-            <a:off x="6786427" y="1756354"/>
+            <a:off x="6786428" y="2899355"/>
             <a:ext cx="258821" cy="290237"/>
           </a:xfrm>
           <a:prstGeom prst="bentConnector3">
@@ -3208,7 +3238,7 @@
         </p:nvCxnSpPr>
         <p:spPr>
           <a:xfrm rot="10800000" flipV="1">
-            <a:off x="7335484" y="1762428"/>
+            <a:off x="7335484" y="2905429"/>
             <a:ext cx="272740" cy="284161"/>
           </a:xfrm>
           <a:prstGeom prst="bentConnector3">
@@ -3258,7 +3288,7 @@
         </p:nvCxnSpPr>
         <p:spPr>
           <a:xfrm rot="10800000">
-            <a:off x="7335484" y="2046591"/>
+            <a:off x="7335484" y="3189592"/>
             <a:ext cx="272740" cy="290563"/>
           </a:xfrm>
           <a:prstGeom prst="bentConnector3">
@@ -3301,7 +3331,7 @@
         </p:nvCxnSpPr>
         <p:spPr>
           <a:xfrm>
-            <a:off x="2514651" y="1759002"/>
+            <a:off x="2514651" y="2902002"/>
             <a:ext cx="300574" cy="0"/>
           </a:xfrm>
           <a:prstGeom prst="line">
@@ -3343,7 +3373,7 @@
         </p:nvCxnSpPr>
         <p:spPr>
           <a:xfrm>
-            <a:off x="3105462" y="1759002"/>
+            <a:off x="3105462" y="2902002"/>
             <a:ext cx="311012" cy="0"/>
           </a:xfrm>
           <a:prstGeom prst="line">
@@ -3385,7 +3415,7 @@
         </p:nvCxnSpPr>
         <p:spPr>
           <a:xfrm flipV="1">
-            <a:off x="3664207" y="1476208"/>
+            <a:off x="3664208" y="2619209"/>
             <a:ext cx="301325" cy="180179"/>
           </a:xfrm>
           <a:prstGeom prst="line">
@@ -3427,7 +3457,7 @@
         </p:nvCxnSpPr>
         <p:spPr>
           <a:xfrm>
-            <a:off x="3664207" y="1861616"/>
+            <a:off x="3664208" y="3004617"/>
             <a:ext cx="301325" cy="187623"/>
           </a:xfrm>
           <a:prstGeom prst="line">
@@ -3469,7 +3499,7 @@
         </p:nvCxnSpPr>
         <p:spPr>
           <a:xfrm flipV="1">
-            <a:off x="4213265" y="1183500"/>
+            <a:off x="4213265" y="2326501"/>
             <a:ext cx="315244" cy="190093"/>
           </a:xfrm>
           <a:prstGeom prst="line">
@@ -3511,7 +3541,7 @@
         </p:nvCxnSpPr>
         <p:spPr>
           <a:xfrm>
-            <a:off x="4213265" y="2151853"/>
+            <a:off x="4213265" y="3294854"/>
             <a:ext cx="315244" cy="187949"/>
           </a:xfrm>
           <a:prstGeom prst="line">
@@ -3553,7 +3583,7 @@
         </p:nvCxnSpPr>
         <p:spPr>
           <a:xfrm flipV="1">
-            <a:off x="4213265" y="1765078"/>
+            <a:off x="4213265" y="2908078"/>
             <a:ext cx="315244" cy="181546"/>
           </a:xfrm>
           <a:prstGeom prst="line">
@@ -3592,7 +3622,7 @@
         </p:nvSpPr>
         <p:spPr>
           <a:xfrm>
-            <a:off x="2224414" y="1613883"/>
+            <a:off x="2224415" y="2756884"/>
             <a:ext cx="290237" cy="290237"/>
           </a:xfrm>
           <a:prstGeom prst="ellipse">
@@ -3649,7 +3679,7 @@
         </p:nvSpPr>
         <p:spPr>
           <a:xfrm>
-            <a:off x="2815225" y="1613883"/>
+            <a:off x="2815226" y="2756884"/>
             <a:ext cx="290237" cy="290237"/>
           </a:xfrm>
           <a:prstGeom prst="ellipse">
@@ -3710,7 +3740,7 @@
         </p:nvSpPr>
         <p:spPr>
           <a:xfrm>
-            <a:off x="3416474" y="1613883"/>
+            <a:off x="3416475" y="2756884"/>
             <a:ext cx="290237" cy="290237"/>
           </a:xfrm>
           <a:prstGeom prst="ellipse">
@@ -3771,7 +3801,7 @@
         </p:nvSpPr>
         <p:spPr>
           <a:xfrm>
-            <a:off x="3965532" y="1331089"/>
+            <a:off x="3965533" y="2474090"/>
             <a:ext cx="290237" cy="290237"/>
           </a:xfrm>
           <a:prstGeom prst="ellipse">
@@ -3834,7 +3864,7 @@
         </p:nvSpPr>
         <p:spPr>
           <a:xfrm>
-            <a:off x="3965532" y="1904120"/>
+            <a:off x="3965533" y="3047121"/>
             <a:ext cx="290237" cy="290237"/>
           </a:xfrm>
           <a:prstGeom prst="ellipse">
@@ -3897,7 +3927,7 @@
         </p:nvSpPr>
         <p:spPr>
           <a:xfrm>
-            <a:off x="4528509" y="1038381"/>
+            <a:off x="4528510" y="2181382"/>
             <a:ext cx="290237" cy="290237"/>
           </a:xfrm>
           <a:prstGeom prst="ellipse">
@@ -3957,7 +3987,7 @@
         </p:nvSpPr>
         <p:spPr>
           <a:xfrm>
-            <a:off x="4528509" y="1619959"/>
+            <a:off x="4528510" y="2762960"/>
             <a:ext cx="290237" cy="290237"/>
           </a:xfrm>
           <a:prstGeom prst="ellipse">
@@ -4017,7 +4047,7 @@
         </p:nvSpPr>
         <p:spPr>
           <a:xfrm>
-            <a:off x="4528509" y="2194683"/>
+            <a:off x="4528510" y="3337684"/>
             <a:ext cx="290237" cy="290237"/>
           </a:xfrm>
           <a:prstGeom prst="ellipse">
@@ -4077,7 +4107,7 @@
         </p:nvSpPr>
         <p:spPr>
           <a:xfrm>
-            <a:off x="2192200" y="1362971"/>
+            <a:off x="2192200" y="2505972"/>
             <a:ext cx="364202" cy="246221"/>
           </a:xfrm>
           <a:prstGeom prst="rect">
@@ -4112,7 +4142,7 @@
         </p:nvSpPr>
         <p:spPr>
           <a:xfrm>
-            <a:off x="3274524" y="1359254"/>
+            <a:off x="3274525" y="2502255"/>
             <a:ext cx="556563" cy="246221"/>
           </a:xfrm>
           <a:prstGeom prst="rect">
@@ -4150,7 +4180,7 @@
         </p:nvCxnSpPr>
         <p:spPr>
           <a:xfrm>
-            <a:off x="6185177" y="1756353"/>
+            <a:off x="6185177" y="2899353"/>
             <a:ext cx="311012" cy="0"/>
           </a:xfrm>
           <a:prstGeom prst="line">
@@ -4189,7 +4219,7 @@
         </p:nvSpPr>
         <p:spPr>
           <a:xfrm>
-            <a:off x="5894940" y="1611234"/>
+            <a:off x="5894941" y="2754235"/>
             <a:ext cx="290237" cy="290237"/>
           </a:xfrm>
           <a:prstGeom prst="ellipse">
@@ -4244,7 +4274,7 @@
         </p:nvSpPr>
         <p:spPr>
           <a:xfrm>
-            <a:off x="7045247" y="1901471"/>
+            <a:off x="7045248" y="3044472"/>
             <a:ext cx="290237" cy="290237"/>
           </a:xfrm>
           <a:prstGeom prst="ellipse">
@@ -4307,7 +4337,7 @@
         </p:nvSpPr>
         <p:spPr>
           <a:xfrm>
-            <a:off x="7608224" y="1035732"/>
+            <a:off x="7608225" y="2178733"/>
             <a:ext cx="290237" cy="290237"/>
           </a:xfrm>
           <a:prstGeom prst="ellipse">
@@ -4367,7 +4397,7 @@
         </p:nvSpPr>
         <p:spPr>
           <a:xfrm>
-            <a:off x="5856638" y="1362971"/>
+            <a:off x="5856638" y="2505972"/>
             <a:ext cx="364202" cy="246221"/>
           </a:xfrm>
           <a:prstGeom prst="rect">
@@ -4402,7 +4432,7 @@
         </p:nvSpPr>
         <p:spPr>
           <a:xfrm>
-            <a:off x="6362942" y="1359254"/>
+            <a:off x="6362943" y="2502255"/>
             <a:ext cx="556563" cy="246221"/>
           </a:xfrm>
           <a:prstGeom prst="rect">
@@ -4437,7 +4467,7 @@
         </p:nvSpPr>
         <p:spPr>
           <a:xfrm>
-            <a:off x="2047256" y="361096"/>
+            <a:off x="2047256" y="1504097"/>
             <a:ext cx="3638318" cy="430887"/>
           </a:xfrm>
           <a:prstGeom prst="rect">
@@ -4476,7 +4506,7 @@
         </p:nvSpPr>
         <p:spPr>
           <a:xfrm>
-            <a:off x="572899" y="1008936"/>
+            <a:off x="572900" y="2151937"/>
             <a:ext cx="1316387" cy="769441"/>
           </a:xfrm>
           <a:prstGeom prst="rect">
@@ -4548,7 +4578,7 @@
         </p:nvCxnSpPr>
         <p:spPr>
           <a:xfrm flipH="1">
-            <a:off x="2023738" y="328249"/>
+            <a:off x="2023738" y="1471249"/>
             <a:ext cx="23518" cy="6183468"/>
           </a:xfrm>
           <a:prstGeom prst="line">
@@ -4587,7 +4617,7 @@
         </p:nvCxnSpPr>
         <p:spPr>
           <a:xfrm flipH="1">
-            <a:off x="450398" y="848704"/>
+            <a:off x="450398" y="1991704"/>
             <a:ext cx="8304350" cy="0"/>
           </a:xfrm>
           <a:prstGeom prst="line">
@@ -4626,7 +4656,7 @@
         </p:nvCxnSpPr>
         <p:spPr>
           <a:xfrm flipH="1">
-            <a:off x="5662056" y="328249"/>
+            <a:off x="5662056" y="1471249"/>
             <a:ext cx="23518" cy="6183468"/>
           </a:xfrm>
           <a:prstGeom prst="line">
@@ -4665,7 +4695,7 @@
         </p:nvCxnSpPr>
         <p:spPr>
           <a:xfrm flipH="1">
-            <a:off x="8731230" y="328249"/>
+            <a:off x="8731230" y="1471249"/>
             <a:ext cx="23518" cy="6183468"/>
           </a:xfrm>
           <a:prstGeom prst="line">
@@ -4704,7 +4734,7 @@
         </p:nvCxnSpPr>
         <p:spPr>
           <a:xfrm flipH="1">
-            <a:off x="2047256" y="2687246"/>
+            <a:off x="2047256" y="3830246"/>
             <a:ext cx="6707492" cy="0"/>
           </a:xfrm>
           <a:prstGeom prst="line">
@@ -4743,7 +4773,7 @@
         </p:nvSpPr>
         <p:spPr>
           <a:xfrm>
-            <a:off x="356134" y="2898093"/>
+            <a:off x="356135" y="4041094"/>
             <a:ext cx="1749917" cy="769441"/>
           </a:xfrm>
           <a:prstGeom prst="rect">
@@ -4804,7 +4834,7 @@
         </p:nvCxnSpPr>
         <p:spPr>
           <a:xfrm flipV="1">
-            <a:off x="4776242" y="3918153"/>
+            <a:off x="4776243" y="5061154"/>
             <a:ext cx="363839" cy="190597"/>
           </a:xfrm>
           <a:prstGeom prst="line">
@@ -4846,7 +4876,7 @@
         </p:nvCxnSpPr>
         <p:spPr>
           <a:xfrm>
-            <a:off x="4776242" y="4313979"/>
+            <a:off x="4776243" y="5456979"/>
             <a:ext cx="366239" cy="206898"/>
           </a:xfrm>
           <a:prstGeom prst="line">
@@ -4888,7 +4918,7 @@
         </p:nvCxnSpPr>
         <p:spPr>
           <a:xfrm>
-            <a:off x="2514651" y="3630565"/>
+            <a:off x="2514651" y="4773565"/>
             <a:ext cx="300574" cy="0"/>
           </a:xfrm>
           <a:prstGeom prst="line">
@@ -4930,7 +4960,7 @@
         </p:nvCxnSpPr>
         <p:spPr>
           <a:xfrm>
-            <a:off x="3105462" y="3630565"/>
+            <a:off x="3105462" y="4773565"/>
             <a:ext cx="311012" cy="0"/>
           </a:xfrm>
           <a:prstGeom prst="line">
@@ -4972,7 +5002,7 @@
         </p:nvCxnSpPr>
         <p:spPr>
           <a:xfrm flipV="1">
-            <a:off x="3664207" y="3347771"/>
+            <a:off x="3664208" y="4490772"/>
             <a:ext cx="301325" cy="180179"/>
           </a:xfrm>
           <a:prstGeom prst="line">
@@ -5014,7 +5044,7 @@
         </p:nvCxnSpPr>
         <p:spPr>
           <a:xfrm>
-            <a:off x="3664207" y="3733179"/>
+            <a:off x="3664208" y="4876180"/>
             <a:ext cx="301325" cy="187623"/>
           </a:xfrm>
           <a:prstGeom prst="line">
@@ -5056,7 +5086,7 @@
         </p:nvCxnSpPr>
         <p:spPr>
           <a:xfrm flipV="1">
-            <a:off x="4213265" y="3055063"/>
+            <a:off x="4213265" y="4198064"/>
             <a:ext cx="315244" cy="190093"/>
           </a:xfrm>
           <a:prstGeom prst="line">
@@ -5098,7 +5128,7 @@
         </p:nvCxnSpPr>
         <p:spPr>
           <a:xfrm>
-            <a:off x="4213265" y="4023416"/>
+            <a:off x="4213265" y="5166417"/>
             <a:ext cx="315244" cy="187949"/>
           </a:xfrm>
           <a:prstGeom prst="line">
@@ -5140,7 +5170,7 @@
         </p:nvCxnSpPr>
         <p:spPr>
           <a:xfrm flipV="1">
-            <a:off x="4213265" y="3636641"/>
+            <a:off x="4213265" y="4779641"/>
             <a:ext cx="315244" cy="181546"/>
           </a:xfrm>
           <a:prstGeom prst="line">
@@ -5179,7 +5209,7 @@
         </p:nvSpPr>
         <p:spPr>
           <a:xfrm>
-            <a:off x="2224414" y="3485446"/>
+            <a:off x="2224415" y="4628447"/>
             <a:ext cx="290237" cy="290237"/>
           </a:xfrm>
           <a:prstGeom prst="ellipse">
@@ -5236,7 +5266,7 @@
         </p:nvSpPr>
         <p:spPr>
           <a:xfrm>
-            <a:off x="2815225" y="3485446"/>
+            <a:off x="2815226" y="4628447"/>
             <a:ext cx="290237" cy="290237"/>
           </a:xfrm>
           <a:prstGeom prst="ellipse">
@@ -5297,7 +5327,7 @@
         </p:nvSpPr>
         <p:spPr>
           <a:xfrm>
-            <a:off x="3416474" y="3485446"/>
+            <a:off x="3416475" y="4628447"/>
             <a:ext cx="290237" cy="290237"/>
           </a:xfrm>
           <a:prstGeom prst="ellipse">
@@ -5358,7 +5388,7 @@
         </p:nvSpPr>
         <p:spPr>
           <a:xfrm>
-            <a:off x="3965532" y="3202652"/>
+            <a:off x="3965533" y="4345653"/>
             <a:ext cx="290237" cy="290237"/>
           </a:xfrm>
           <a:prstGeom prst="ellipse">
@@ -5421,7 +5451,7 @@
         </p:nvSpPr>
         <p:spPr>
           <a:xfrm>
-            <a:off x="3965532" y="3775683"/>
+            <a:off x="3965533" y="4918684"/>
             <a:ext cx="290237" cy="290237"/>
           </a:xfrm>
           <a:prstGeom prst="ellipse">
@@ -5484,7 +5514,7 @@
         </p:nvSpPr>
         <p:spPr>
           <a:xfrm>
-            <a:off x="4528509" y="3491522"/>
+            <a:off x="4528510" y="4634523"/>
             <a:ext cx="290237" cy="290237"/>
           </a:xfrm>
           <a:prstGeom prst="ellipse">
@@ -5544,7 +5574,7 @@
         </p:nvSpPr>
         <p:spPr>
           <a:xfrm>
-            <a:off x="4528509" y="4066246"/>
+            <a:off x="4528510" y="5209247"/>
             <a:ext cx="290237" cy="290237"/>
           </a:xfrm>
           <a:prstGeom prst="ellipse">
@@ -5601,7 +5631,7 @@
         </p:nvSpPr>
         <p:spPr>
           <a:xfrm>
-            <a:off x="4528509" y="2909944"/>
+            <a:off x="4528510" y="4052945"/>
             <a:ext cx="290237" cy="290237"/>
           </a:xfrm>
           <a:prstGeom prst="ellipse">
@@ -5659,7 +5689,7 @@
         </p:nvSpPr>
         <p:spPr>
           <a:xfrm>
-            <a:off x="2192200" y="3234534"/>
+            <a:off x="2192200" y="4377535"/>
             <a:ext cx="364202" cy="246221"/>
           </a:xfrm>
           <a:prstGeom prst="rect">
@@ -5694,7 +5724,7 @@
         </p:nvSpPr>
         <p:spPr>
           <a:xfrm>
-            <a:off x="3274524" y="3230817"/>
+            <a:off x="3274525" y="4373818"/>
             <a:ext cx="556563" cy="246221"/>
           </a:xfrm>
           <a:prstGeom prst="rect">
@@ -5729,7 +5759,7 @@
         </p:nvSpPr>
         <p:spPr>
           <a:xfrm>
-            <a:off x="5135200" y="3768890"/>
+            <a:off x="5135201" y="4911891"/>
             <a:ext cx="290237" cy="290237"/>
           </a:xfrm>
           <a:prstGeom prst="ellipse">
@@ -5789,7 +5819,7 @@
         </p:nvSpPr>
         <p:spPr>
           <a:xfrm>
-            <a:off x="5142481" y="4375758"/>
+            <a:off x="5142482" y="5518759"/>
             <a:ext cx="290237" cy="290237"/>
           </a:xfrm>
           <a:prstGeom prst="ellipse">
@@ -5852,7 +5882,7 @@
         </p:nvCxnSpPr>
         <p:spPr>
           <a:xfrm>
-            <a:off x="6185177" y="3632372"/>
+            <a:off x="6185177" y="4775372"/>
             <a:ext cx="311012" cy="0"/>
           </a:xfrm>
           <a:prstGeom prst="line">
@@ -5891,7 +5921,7 @@
         </p:nvSpPr>
         <p:spPr>
           <a:xfrm>
-            <a:off x="5894940" y="3487253"/>
+            <a:off x="5894941" y="4630254"/>
             <a:ext cx="290237" cy="290237"/>
           </a:xfrm>
           <a:prstGeom prst="ellipse">
@@ -5946,7 +5976,7 @@
         </p:nvSpPr>
         <p:spPr>
           <a:xfrm>
-            <a:off x="7045247" y="3777490"/>
+            <a:off x="7045248" y="4920491"/>
             <a:ext cx="290237" cy="290237"/>
           </a:xfrm>
           <a:prstGeom prst="ellipse">
@@ -6009,7 +6039,7 @@
         </p:nvSpPr>
         <p:spPr>
           <a:xfrm>
-            <a:off x="5856638" y="3238990"/>
+            <a:off x="5856638" y="4381991"/>
             <a:ext cx="364202" cy="246221"/>
           </a:xfrm>
           <a:prstGeom prst="rect">
@@ -6044,7 +6074,7 @@
         </p:nvSpPr>
         <p:spPr>
           <a:xfrm>
-            <a:off x="6362942" y="3235273"/>
+            <a:off x="6362943" y="4378274"/>
             <a:ext cx="556563" cy="246221"/>
           </a:xfrm>
           <a:prstGeom prst="rect">
@@ -6079,7 +6109,7 @@
         </p:nvSpPr>
         <p:spPr>
           <a:xfrm>
-            <a:off x="7600485" y="2914400"/>
+            <a:off x="7600486" y="4057401"/>
             <a:ext cx="290237" cy="290237"/>
           </a:xfrm>
           <a:prstGeom prst="ellipse">
@@ -6137,7 +6167,7 @@
         </p:nvSpPr>
         <p:spPr>
           <a:xfrm>
-            <a:off x="7603144" y="4077983"/>
+            <a:off x="7603145" y="5220984"/>
             <a:ext cx="290237" cy="290237"/>
           </a:xfrm>
           <a:prstGeom prst="ellipse">
@@ -6194,7 +6224,7 @@
         </p:nvSpPr>
         <p:spPr>
           <a:xfrm>
-            <a:off x="356134" y="5049597"/>
+            <a:off x="356135" y="6192598"/>
             <a:ext cx="1749917" cy="1323439"/>
           </a:xfrm>
           <a:prstGeom prst="rect">
@@ -6303,7 +6333,7 @@
         </p:nvCxnSpPr>
         <p:spPr>
           <a:xfrm flipV="1">
-            <a:off x="4782721" y="5555907"/>
+            <a:off x="4782722" y="6698908"/>
             <a:ext cx="363839" cy="190597"/>
           </a:xfrm>
           <a:prstGeom prst="line">
@@ -6345,7 +6375,7 @@
         </p:nvCxnSpPr>
         <p:spPr>
           <a:xfrm>
-            <a:off x="4782721" y="5951733"/>
+            <a:off x="4782722" y="7094733"/>
             <a:ext cx="366239" cy="206898"/>
           </a:xfrm>
           <a:prstGeom prst="line">
@@ -6387,7 +6417,7 @@
         </p:nvCxnSpPr>
         <p:spPr>
           <a:xfrm>
-            <a:off x="2514651" y="5559919"/>
+            <a:off x="2514651" y="6702919"/>
             <a:ext cx="300574" cy="0"/>
           </a:xfrm>
           <a:prstGeom prst="line">
@@ -6429,7 +6459,7 @@
         </p:nvCxnSpPr>
         <p:spPr>
           <a:xfrm>
-            <a:off x="3105462" y="5559919"/>
+            <a:off x="3105462" y="6702919"/>
             <a:ext cx="311012" cy="0"/>
           </a:xfrm>
           <a:prstGeom prst="line">
@@ -6471,7 +6501,7 @@
         </p:nvCxnSpPr>
         <p:spPr>
           <a:xfrm flipV="1">
-            <a:off x="3706711" y="5558556"/>
+            <a:off x="3706711" y="6701557"/>
             <a:ext cx="265300" cy="1363"/>
           </a:xfrm>
           <a:prstGeom prst="line">
@@ -6513,7 +6543,7 @@
         </p:nvCxnSpPr>
         <p:spPr>
           <a:xfrm>
-            <a:off x="4219744" y="5661170"/>
+            <a:off x="4219744" y="6804171"/>
             <a:ext cx="315244" cy="187949"/>
           </a:xfrm>
           <a:prstGeom prst="line">
@@ -6555,7 +6585,7 @@
         </p:nvCxnSpPr>
         <p:spPr>
           <a:xfrm flipV="1">
-            <a:off x="4219744" y="5274395"/>
+            <a:off x="4219744" y="6417395"/>
             <a:ext cx="315244" cy="181546"/>
           </a:xfrm>
           <a:prstGeom prst="line">
@@ -6594,7 +6624,7 @@
         </p:nvSpPr>
         <p:spPr>
           <a:xfrm>
-            <a:off x="2224414" y="5414800"/>
+            <a:off x="2224415" y="6557801"/>
             <a:ext cx="290237" cy="290237"/>
           </a:xfrm>
           <a:prstGeom prst="ellipse">
@@ -6651,7 +6681,7 @@
         </p:nvSpPr>
         <p:spPr>
           <a:xfrm>
-            <a:off x="2815225" y="5414800"/>
+            <a:off x="2815226" y="6557801"/>
             <a:ext cx="290237" cy="290237"/>
           </a:xfrm>
           <a:prstGeom prst="ellipse">
@@ -6712,7 +6742,7 @@
         </p:nvSpPr>
         <p:spPr>
           <a:xfrm>
-            <a:off x="3416474" y="5414800"/>
+            <a:off x="3416475" y="6557801"/>
             <a:ext cx="290237" cy="290237"/>
           </a:xfrm>
           <a:prstGeom prst="ellipse">
@@ -6775,7 +6805,7 @@
         </p:nvSpPr>
         <p:spPr>
           <a:xfrm>
-            <a:off x="3972011" y="5413437"/>
+            <a:off x="3972012" y="6556438"/>
             <a:ext cx="290237" cy="290237"/>
           </a:xfrm>
           <a:prstGeom prst="ellipse">
@@ -6836,7 +6866,7 @@
         </p:nvSpPr>
         <p:spPr>
           <a:xfrm>
-            <a:off x="4534988" y="5129276"/>
+            <a:off x="4534989" y="6272277"/>
             <a:ext cx="290237" cy="290237"/>
           </a:xfrm>
           <a:prstGeom prst="ellipse">
@@ -6896,7 +6926,7 @@
         </p:nvSpPr>
         <p:spPr>
           <a:xfrm>
-            <a:off x="4534988" y="5704000"/>
+            <a:off x="4534989" y="6847001"/>
             <a:ext cx="290237" cy="290237"/>
           </a:xfrm>
           <a:prstGeom prst="ellipse">
@@ -6953,7 +6983,7 @@
         </p:nvSpPr>
         <p:spPr>
           <a:xfrm>
-            <a:off x="2192200" y="5163888"/>
+            <a:off x="2192200" y="6306889"/>
             <a:ext cx="364202" cy="246221"/>
           </a:xfrm>
           <a:prstGeom prst="rect">
@@ -6988,7 +7018,7 @@
         </p:nvSpPr>
         <p:spPr>
           <a:xfrm>
-            <a:off x="3838197" y="5160171"/>
+            <a:off x="3838198" y="6303172"/>
             <a:ext cx="556563" cy="246221"/>
           </a:xfrm>
           <a:prstGeom prst="rect">
@@ -7023,7 +7053,7 @@
         </p:nvSpPr>
         <p:spPr>
           <a:xfrm>
-            <a:off x="5141679" y="5406644"/>
+            <a:off x="5141680" y="6549645"/>
             <a:ext cx="290237" cy="290237"/>
           </a:xfrm>
           <a:prstGeom prst="ellipse">
@@ -7083,7 +7113,7 @@
         </p:nvSpPr>
         <p:spPr>
           <a:xfrm>
-            <a:off x="5148960" y="6013512"/>
+            <a:off x="5148961" y="7156513"/>
             <a:ext cx="290237" cy="290237"/>
           </a:xfrm>
           <a:prstGeom prst="ellipse">
@@ -7146,7 +7176,7 @@
         </p:nvCxnSpPr>
         <p:spPr>
           <a:xfrm flipV="1">
-            <a:off x="6185177" y="5542115"/>
+            <a:off x="6185178" y="6685115"/>
             <a:ext cx="852789" cy="1258"/>
           </a:xfrm>
           <a:prstGeom prst="line">
@@ -7185,7 +7215,7 @@
         </p:nvSpPr>
         <p:spPr>
           <a:xfrm>
-            <a:off x="5894940" y="5398254"/>
+            <a:off x="5894941" y="6541255"/>
             <a:ext cx="290237" cy="290237"/>
           </a:xfrm>
           <a:prstGeom prst="ellipse">
@@ -7240,7 +7270,7 @@
         </p:nvSpPr>
         <p:spPr>
           <a:xfrm>
-            <a:off x="5856638" y="5149991"/>
+            <a:off x="5856638" y="6292992"/>
             <a:ext cx="364202" cy="246221"/>
           </a:xfrm>
           <a:prstGeom prst="rect">
@@ -7275,7 +7305,7 @@
         </p:nvSpPr>
         <p:spPr>
           <a:xfrm>
-            <a:off x="6900458" y="5146274"/>
+            <a:off x="6900459" y="6289275"/>
             <a:ext cx="556563" cy="246221"/>
           </a:xfrm>
           <a:prstGeom prst="rect">
@@ -7310,7 +7340,7 @@
         </p:nvSpPr>
         <p:spPr>
           <a:xfrm>
-            <a:off x="7595863" y="5697489"/>
+            <a:off x="7595864" y="6840490"/>
             <a:ext cx="290237" cy="290237"/>
           </a:xfrm>
           <a:prstGeom prst="ellipse">
@@ -7367,7 +7397,7 @@
         </p:nvSpPr>
         <p:spPr>
           <a:xfrm>
-            <a:off x="5685574" y="361096"/>
+            <a:off x="5685574" y="1504097"/>
             <a:ext cx="3069174" cy="430887"/>
           </a:xfrm>
           <a:prstGeom prst="rect">
@@ -7406,7 +7436,7 @@
         </p:nvCxnSpPr>
         <p:spPr>
           <a:xfrm flipH="1">
-            <a:off x="2023738" y="4878697"/>
+            <a:off x="2023738" y="6021697"/>
             <a:ext cx="6707492" cy="0"/>
           </a:xfrm>
           <a:prstGeom prst="line">
@@ -7445,7 +7475,7 @@
         </p:nvCxnSpPr>
         <p:spPr>
           <a:xfrm flipH="1">
-            <a:off x="426880" y="6511717"/>
+            <a:off x="426880" y="7654717"/>
             <a:ext cx="8304350" cy="0"/>
           </a:xfrm>
           <a:prstGeom prst="line">
@@ -7484,7 +7514,7 @@
         </p:nvCxnSpPr>
         <p:spPr>
           <a:xfrm flipH="1">
-            <a:off x="426880" y="332185"/>
+            <a:off x="426880" y="1475185"/>
             <a:ext cx="23518" cy="6179532"/>
           </a:xfrm>
           <a:prstGeom prst="line">
@@ -7523,7 +7553,7 @@
         </p:nvCxnSpPr>
         <p:spPr>
           <a:xfrm flipH="1">
-            <a:off x="450398" y="339232"/>
+            <a:off x="450398" y="1482232"/>
             <a:ext cx="8304350" cy="0"/>
           </a:xfrm>
           <a:prstGeom prst="line">
@@ -7562,7 +7592,7 @@
         </p:nvSpPr>
         <p:spPr>
           <a:xfrm>
-            <a:off x="863614" y="1891052"/>
+            <a:off x="863614" y="3034053"/>
             <a:ext cx="733684" cy="937265"/>
           </a:xfrm>
           <a:prstGeom prst="downArrow">
@@ -7611,7 +7641,7 @@
         </p:nvSpPr>
         <p:spPr>
           <a:xfrm>
-            <a:off x="877126" y="3865230"/>
+            <a:off x="877126" y="5008231"/>
             <a:ext cx="733684" cy="974319"/>
           </a:xfrm>
           <a:prstGeom prst="downArrow">
@@ -7660,7 +7690,7 @@
         </p:nvSpPr>
         <p:spPr>
           <a:xfrm>
-            <a:off x="450398" y="332185"/>
+            <a:off x="450398" y="1475186"/>
             <a:ext cx="1596858" cy="516519"/>
           </a:xfrm>
           <a:prstGeom prst="rect">
@@ -7712,7 +7742,7 @@
         </p:nvSpPr>
         <p:spPr>
           <a:xfrm>
-            <a:off x="6496189" y="1611234"/>
+            <a:off x="6496190" y="2754235"/>
             <a:ext cx="290237" cy="290237"/>
           </a:xfrm>
           <a:prstGeom prst="ellipse">
@@ -7769,7 +7799,7 @@
         </p:nvSpPr>
         <p:spPr>
           <a:xfrm>
-            <a:off x="7608224" y="1617310"/>
+            <a:off x="7608225" y="2760311"/>
             <a:ext cx="290237" cy="290237"/>
           </a:xfrm>
           <a:prstGeom prst="ellipse">
@@ -7829,7 +7859,7 @@
         </p:nvSpPr>
         <p:spPr>
           <a:xfrm>
-            <a:off x="7608224" y="2192034"/>
+            <a:off x="7608225" y="3335035"/>
             <a:ext cx="290237" cy="290237"/>
           </a:xfrm>
           <a:prstGeom prst="ellipse">
@@ -7899,7 +7929,7 @@
         </p:nvCxnSpPr>
         <p:spPr>
           <a:xfrm rot="10800000">
-            <a:off x="7893382" y="4223102"/>
+            <a:off x="7893383" y="5366102"/>
             <a:ext cx="323735" cy="309512"/>
           </a:xfrm>
           <a:prstGeom prst="bentConnector3">
@@ -7949,7 +7979,7 @@
         </p:nvCxnSpPr>
         <p:spPr>
           <a:xfrm rot="10800000" flipV="1">
-            <a:off x="7893381" y="3925746"/>
+            <a:off x="7893381" y="5068746"/>
             <a:ext cx="316454" cy="297356"/>
           </a:xfrm>
           <a:prstGeom prst="bentConnector3">
@@ -7999,7 +8029,7 @@
         </p:nvCxnSpPr>
         <p:spPr>
           <a:xfrm rot="10800000" flipV="1">
-            <a:off x="7335484" y="3638447"/>
+            <a:off x="7335484" y="4781448"/>
             <a:ext cx="272740" cy="284161"/>
           </a:xfrm>
           <a:prstGeom prst="bentConnector3">
@@ -8049,7 +8079,7 @@
         </p:nvCxnSpPr>
         <p:spPr>
           <a:xfrm rot="10800000">
-            <a:off x="7335484" y="3922610"/>
+            <a:off x="7335484" y="5065611"/>
             <a:ext cx="267660" cy="300493"/>
           </a:xfrm>
           <a:prstGeom prst="bentConnector3">
@@ -8099,7 +8129,7 @@
         </p:nvCxnSpPr>
         <p:spPr>
           <a:xfrm rot="10800000" flipV="1">
-            <a:off x="6786427" y="3059518"/>
+            <a:off x="6786428" y="4202519"/>
             <a:ext cx="814059" cy="572853"/>
           </a:xfrm>
           <a:prstGeom prst="bentConnector3">
@@ -8149,7 +8179,7 @@
         </p:nvCxnSpPr>
         <p:spPr>
           <a:xfrm rot="10800000">
-            <a:off x="6786427" y="3632373"/>
+            <a:off x="6786428" y="4775374"/>
             <a:ext cx="258821" cy="290237"/>
           </a:xfrm>
           <a:prstGeom prst="bentConnector3">
@@ -8189,7 +8219,7 @@
         </p:nvSpPr>
         <p:spPr>
           <a:xfrm>
-            <a:off x="6496189" y="3487253"/>
+            <a:off x="6496190" y="4630254"/>
             <a:ext cx="290237" cy="290237"/>
           </a:xfrm>
           <a:prstGeom prst="ellipse">
@@ -8246,7 +8276,7 @@
         </p:nvSpPr>
         <p:spPr>
           <a:xfrm>
-            <a:off x="8209835" y="3780627"/>
+            <a:off x="8209836" y="4923628"/>
             <a:ext cx="290237" cy="290237"/>
           </a:xfrm>
           <a:prstGeom prst="ellipse">
@@ -8306,7 +8336,7 @@
         </p:nvSpPr>
         <p:spPr>
           <a:xfrm>
-            <a:off x="8217116" y="4387495"/>
+            <a:off x="8217117" y="5530496"/>
             <a:ext cx="290237" cy="290237"/>
           </a:xfrm>
           <a:prstGeom prst="ellipse">
@@ -8366,7 +8396,7 @@
         </p:nvSpPr>
         <p:spPr>
           <a:xfrm>
-            <a:off x="7608224" y="3493329"/>
+            <a:off x="7608225" y="4636330"/>
             <a:ext cx="290237" cy="290237"/>
           </a:xfrm>
           <a:prstGeom prst="ellipse">
@@ -8436,7 +8466,7 @@
         </p:nvCxnSpPr>
         <p:spPr>
           <a:xfrm rot="10800000">
-            <a:off x="7886101" y="5842608"/>
+            <a:off x="7886102" y="6985608"/>
             <a:ext cx="323735" cy="309512"/>
           </a:xfrm>
           <a:prstGeom prst="bentConnector3">
@@ -8486,7 +8516,7 @@
         </p:nvCxnSpPr>
         <p:spPr>
           <a:xfrm rot="10800000" flipV="1">
-            <a:off x="7886100" y="5545252"/>
+            <a:off x="7886100" y="6688252"/>
             <a:ext cx="316454" cy="297356"/>
           </a:xfrm>
           <a:prstGeom prst="bentConnector3">
@@ -8536,7 +8566,7 @@
         </p:nvCxnSpPr>
         <p:spPr>
           <a:xfrm rot="10800000" flipV="1">
-            <a:off x="7328203" y="5257953"/>
+            <a:off x="7328203" y="6400954"/>
             <a:ext cx="272740" cy="284161"/>
           </a:xfrm>
           <a:prstGeom prst="bentConnector3">
@@ -8586,7 +8616,7 @@
         </p:nvCxnSpPr>
         <p:spPr>
           <a:xfrm rot="10800000">
-            <a:off x="7328203" y="5542116"/>
+            <a:off x="7328203" y="6685117"/>
             <a:ext cx="267660" cy="300493"/>
           </a:xfrm>
           <a:prstGeom prst="bentConnector3">
@@ -8626,7 +8656,7 @@
         </p:nvSpPr>
         <p:spPr>
           <a:xfrm>
-            <a:off x="7037966" y="5396996"/>
+            <a:off x="7037967" y="6539997"/>
             <a:ext cx="290237" cy="290237"/>
           </a:xfrm>
           <a:prstGeom prst="ellipse">
@@ -8687,7 +8717,7 @@
         </p:nvSpPr>
         <p:spPr>
           <a:xfrm>
-            <a:off x="7600943" y="5112835"/>
+            <a:off x="7600944" y="6255836"/>
             <a:ext cx="290237" cy="290237"/>
           </a:xfrm>
           <a:prstGeom prst="ellipse">
@@ -8747,7 +8777,7 @@
         </p:nvSpPr>
         <p:spPr>
           <a:xfrm>
-            <a:off x="8202554" y="5400133"/>
+            <a:off x="8202555" y="6543134"/>
             <a:ext cx="290237" cy="290237"/>
           </a:xfrm>
           <a:prstGeom prst="ellipse">
@@ -8807,7 +8837,7 @@
         </p:nvSpPr>
         <p:spPr>
           <a:xfrm>
-            <a:off x="8209835" y="6007001"/>
+            <a:off x="8209836" y="7150002"/>
             <a:ext cx="290237" cy="290237"/>
           </a:xfrm>
           <a:prstGeom prst="ellipse">
@@ -8859,36 +8889,245 @@
           </a:p>
         </p:txBody>
       </p:sp>
-      <p:pic>
-        <p:nvPicPr>
-          <p:cNvPr id="2" name="Image 1">
+      <p:sp>
+        <p:nvSpPr>
+          <p:cNvPr id="4" name="ZoneTexte 3">
             <a:extLst>
               <a:ext uri="{FF2B5EF4-FFF2-40B4-BE49-F238E27FC236}">
-                <a16:creationId xmlns:a16="http://schemas.microsoft.com/office/drawing/2014/main" id="{ED78F11C-9E16-FFC8-B967-C10E46ACBDCE}"/>
+                <a16:creationId xmlns:a16="http://schemas.microsoft.com/office/drawing/2014/main" id="{D2AD9106-7072-4830-A9EF-F1340BF2E464}"/>
               </a:ext>
             </a:extLst>
           </p:cNvPr>
-          <p:cNvPicPr>
-            <a:picLocks noChangeAspect="1"/>
-          </p:cNvPicPr>
-          <p:nvPr/>
-        </p:nvPicPr>
-        <p:blipFill>
-          <a:blip r:embed="rId2"/>
-          <a:stretch>
-            <a:fillRect/>
-          </a:stretch>
-        </p:blipFill>
-        <p:spPr>
-          <a:xfrm>
-            <a:off x="7904594" y="866564"/>
-            <a:ext cx="839013" cy="575700"/>
+          <p:cNvSpPr txBox="1"/>
+          <p:nvPr/>
+        </p:nvSpPr>
+        <p:spPr>
+          <a:xfrm>
+            <a:off x="4793259" y="4071332"/>
+            <a:ext cx="599844" cy="276999"/>
           </a:xfrm>
           <a:prstGeom prst="rect">
             <a:avLst/>
           </a:prstGeom>
-        </p:spPr>
-      </p:pic>
+          <a:noFill/>
+        </p:spPr>
+        <p:txBody>
+          <a:bodyPr wrap="none" rtlCol="0">
+            <a:spAutoFit/>
+          </a:bodyPr>
+          <a:lstStyle/>
+          <a:p>
+            <a:r>
+              <a:rPr lang="fr-FR" sz="1200">
+                <a:latin typeface="Avenir Book"/>
+                <a:cs typeface="Avenir Book"/>
+              </a:rPr>
+              <a:t>Death</a:t>
+            </a:r>
+          </a:p>
+        </p:txBody>
+      </p:sp>
+      <p:sp>
+        <p:nvSpPr>
+          <p:cNvPr id="7" name="ZoneTexte 6">
+            <a:extLst>
+              <a:ext uri="{FF2B5EF4-FFF2-40B4-BE49-F238E27FC236}">
+                <a16:creationId xmlns:a16="http://schemas.microsoft.com/office/drawing/2014/main" id="{C8F355A1-4FB7-7611-DE3B-BB2C2D8EE3EE}"/>
+              </a:ext>
+            </a:extLst>
+          </p:cNvPr>
+          <p:cNvSpPr txBox="1"/>
+          <p:nvPr/>
+        </p:nvSpPr>
+        <p:spPr>
+          <a:xfrm>
+            <a:off x="7855242" y="4072090"/>
+            <a:ext cx="599844" cy="276999"/>
+          </a:xfrm>
+          <a:prstGeom prst="rect">
+            <a:avLst/>
+          </a:prstGeom>
+          <a:noFill/>
+        </p:spPr>
+        <p:txBody>
+          <a:bodyPr wrap="none" rtlCol="0">
+            <a:spAutoFit/>
+          </a:bodyPr>
+          <a:lstStyle/>
+          <a:p>
+            <a:r>
+              <a:rPr lang="fr-FR" sz="1200">
+                <a:latin typeface="Avenir Book"/>
+                <a:cs typeface="Avenir Book"/>
+              </a:rPr>
+              <a:t>Death</a:t>
+            </a:r>
+          </a:p>
+        </p:txBody>
+      </p:sp>
+      <p:sp>
+        <p:nvSpPr>
+          <p:cNvPr id="8" name="ZoneTexte 7">
+            <a:extLst>
+              <a:ext uri="{FF2B5EF4-FFF2-40B4-BE49-F238E27FC236}">
+                <a16:creationId xmlns:a16="http://schemas.microsoft.com/office/drawing/2014/main" id="{0F610647-4453-1993-50D8-D3103FD44FBB}"/>
+              </a:ext>
+            </a:extLst>
+          </p:cNvPr>
+          <p:cNvSpPr txBox="1"/>
+          <p:nvPr/>
+        </p:nvSpPr>
+        <p:spPr>
+          <a:xfrm>
+            <a:off x="4916946" y="5223264"/>
+            <a:ext cx="790601" cy="276999"/>
+          </a:xfrm>
+          <a:prstGeom prst="rect">
+            <a:avLst/>
+          </a:prstGeom>
+          <a:noFill/>
+        </p:spPr>
+        <p:txBody>
+          <a:bodyPr wrap="none" rtlCol="0">
+            <a:spAutoFit/>
+          </a:bodyPr>
+          <a:lstStyle/>
+          <a:p>
+            <a:pPr algn="ctr"/>
+            <a:r>
+              <a:rPr lang="fr-FR" sz="1200">
+                <a:latin typeface="Avenir Book"/>
+                <a:cs typeface="Avenir Book"/>
+              </a:rPr>
+              <a:t>Divisions</a:t>
+            </a:r>
+          </a:p>
+        </p:txBody>
+      </p:sp>
+      <p:sp>
+        <p:nvSpPr>
+          <p:cNvPr id="10" name="ZoneTexte 9">
+            <a:extLst>
+              <a:ext uri="{FF2B5EF4-FFF2-40B4-BE49-F238E27FC236}">
+                <a16:creationId xmlns:a16="http://schemas.microsoft.com/office/drawing/2014/main" id="{1B8A575E-ED4D-32AE-4CA5-DDC76A7985E2}"/>
+              </a:ext>
+            </a:extLst>
+          </p:cNvPr>
+          <p:cNvSpPr txBox="1"/>
+          <p:nvPr/>
+        </p:nvSpPr>
+        <p:spPr>
+          <a:xfrm>
+            <a:off x="8014482" y="5231653"/>
+            <a:ext cx="790601" cy="276999"/>
+          </a:xfrm>
+          <a:prstGeom prst="rect">
+            <a:avLst/>
+          </a:prstGeom>
+          <a:noFill/>
+        </p:spPr>
+        <p:txBody>
+          <a:bodyPr wrap="none" rtlCol="0">
+            <a:spAutoFit/>
+          </a:bodyPr>
+          <a:lstStyle/>
+          <a:p>
+            <a:pPr algn="ctr"/>
+            <a:r>
+              <a:rPr lang="fr-FR" sz="1200">
+                <a:latin typeface="Avenir Book"/>
+                <a:cs typeface="Avenir Book"/>
+              </a:rPr>
+              <a:t>Divisions</a:t>
+            </a:r>
+          </a:p>
+        </p:txBody>
+      </p:sp>
+      <p:sp>
+        <p:nvSpPr>
+          <p:cNvPr id="11" name="ZoneTexte 10">
+            <a:extLst>
+              <a:ext uri="{FF2B5EF4-FFF2-40B4-BE49-F238E27FC236}">
+                <a16:creationId xmlns:a16="http://schemas.microsoft.com/office/drawing/2014/main" id="{6ADCCD72-84BE-8939-03E7-93BE06C40BB4}"/>
+              </a:ext>
+            </a:extLst>
+          </p:cNvPr>
+          <p:cNvSpPr txBox="1"/>
+          <p:nvPr/>
+        </p:nvSpPr>
+        <p:spPr>
+          <a:xfrm>
+            <a:off x="2023739" y="7355208"/>
+            <a:ext cx="2060629" cy="276999"/>
+          </a:xfrm>
+          <a:prstGeom prst="rect">
+            <a:avLst/>
+          </a:prstGeom>
+          <a:noFill/>
+        </p:spPr>
+        <p:txBody>
+          <a:bodyPr wrap="none" rtlCol="0">
+            <a:spAutoFit/>
+          </a:bodyPr>
+          <a:lstStyle/>
+          <a:p>
+            <a:r>
+              <a:rPr lang="fr-FR" sz="1200">
+                <a:latin typeface="Avenir Book"/>
+                <a:cs typeface="Avenir Book"/>
+              </a:rPr>
+              <a:t>Dead branches are pruned.</a:t>
+            </a:r>
+          </a:p>
+        </p:txBody>
+      </p:sp>
+      <p:sp>
+        <p:nvSpPr>
+          <p:cNvPr id="12" name="ZoneTexte 11">
+            <a:extLst>
+              <a:ext uri="{FF2B5EF4-FFF2-40B4-BE49-F238E27FC236}">
+                <a16:creationId xmlns:a16="http://schemas.microsoft.com/office/drawing/2014/main" id="{1B5F5771-F280-037C-BBA6-333437B3C725}"/>
+              </a:ext>
+            </a:extLst>
+          </p:cNvPr>
+          <p:cNvSpPr txBox="1"/>
+          <p:nvPr/>
+        </p:nvSpPr>
+        <p:spPr>
+          <a:xfrm>
+            <a:off x="5669153" y="7189532"/>
+            <a:ext cx="2408480" cy="461665"/>
+          </a:xfrm>
+          <a:prstGeom prst="rect">
+            <a:avLst/>
+          </a:prstGeom>
+          <a:noFill/>
+        </p:spPr>
+        <p:txBody>
+          <a:bodyPr wrap="none" rtlCol="0">
+            <a:spAutoFit/>
+          </a:bodyPr>
+          <a:lstStyle/>
+          <a:p>
+            <a:r>
+              <a:rPr lang="fr-FR" sz="1200">
+                <a:latin typeface="Avenir Book"/>
+                <a:cs typeface="Avenir Book"/>
+              </a:rPr>
+              <a:t>Dead branches are pruned</a:t>
+            </a:r>
+          </a:p>
+          <a:p>
+            <a:r>
+              <a:rPr lang="fr-FR" sz="1200">
+                <a:latin typeface="Avenir Book"/>
+                <a:cs typeface="Avenir Book"/>
+              </a:rPr>
+              <a:t>And intermediates are removed.</a:t>
+            </a:r>
+          </a:p>
+        </p:txBody>
+      </p:sp>
     </p:spTree>
     <p:extLst>
       <p:ext uri="{BB962C8B-B14F-4D97-AF65-F5344CB8AC3E}">
